--- a/2022/June_Batch/5Javascript/2August/17-08-22-BOM/7javascript - BOM.pptx
+++ b/2022/June_Batch/5Javascript/2August/17-08-22-BOM/7javascript - BOM.pptx
@@ -16,17 +16,6 @@
     <p:sldId id="308" r:id="rId10"/>
     <p:sldId id="309" r:id="rId11"/>
     <p:sldId id="310" r:id="rId12"/>
-    <p:sldId id="311" r:id="rId13"/>
-    <p:sldId id="297" r:id="rId14"/>
-    <p:sldId id="298" r:id="rId15"/>
-    <p:sldId id="299" r:id="rId16"/>
-    <p:sldId id="300" r:id="rId17"/>
-    <p:sldId id="301" r:id="rId18"/>
-    <p:sldId id="302" r:id="rId19"/>
-    <p:sldId id="303" r:id="rId20"/>
-    <p:sldId id="304" r:id="rId21"/>
-    <p:sldId id="305" r:id="rId22"/>
-    <p:sldId id="306" r:id="rId23"/>
   </p:sldIdLst>
   <p:sldSz cx="12192000" cy="6858000"/>
   <p:notesSz cx="6858000" cy="9144000"/>
@@ -276,7 +265,7 @@
             <a:fld id="{7FCC5AE5-E495-4913-B643-A95A6AFABB00}" type="datetimeFigureOut">
               <a:rPr kumimoji="1" lang="ja-JP" altLang="en-US" smtClean="0"/>
               <a:pPr/>
-              <a:t>2022/8/11</a:t>
+              <a:t>2022/8/17</a:t>
             </a:fld>
             <a:endParaRPr kumimoji="1" lang="ja-JP" altLang="en-US"/>
           </a:p>
@@ -448,7 +437,7 @@
             <a:fld id="{7FCC5AE5-E495-4913-B643-A95A6AFABB00}" type="datetimeFigureOut">
               <a:rPr kumimoji="1" lang="ja-JP" altLang="en-US" smtClean="0"/>
               <a:pPr/>
-              <a:t>2022/8/11</a:t>
+              <a:t>2022/8/17</a:t>
             </a:fld>
             <a:endParaRPr kumimoji="1" lang="ja-JP" altLang="en-US"/>
           </a:p>
@@ -630,7 +619,7 @@
             <a:fld id="{7FCC5AE5-E495-4913-B643-A95A6AFABB00}" type="datetimeFigureOut">
               <a:rPr kumimoji="1" lang="ja-JP" altLang="en-US" smtClean="0"/>
               <a:pPr/>
-              <a:t>2022/8/11</a:t>
+              <a:t>2022/8/17</a:t>
             </a:fld>
             <a:endParaRPr kumimoji="1" lang="ja-JP" altLang="en-US"/>
           </a:p>
@@ -802,7 +791,7 @@
             <a:fld id="{7FCC5AE5-E495-4913-B643-A95A6AFABB00}" type="datetimeFigureOut">
               <a:rPr kumimoji="1" lang="ja-JP" altLang="en-US" smtClean="0"/>
               <a:pPr/>
-              <a:t>2022/8/11</a:t>
+              <a:t>2022/8/17</a:t>
             </a:fld>
             <a:endParaRPr kumimoji="1" lang="ja-JP" altLang="en-US"/>
           </a:p>
@@ -1050,7 +1039,7 @@
             <a:fld id="{7FCC5AE5-E495-4913-B643-A95A6AFABB00}" type="datetimeFigureOut">
               <a:rPr kumimoji="1" lang="ja-JP" altLang="en-US" smtClean="0"/>
               <a:pPr/>
-              <a:t>2022/8/11</a:t>
+              <a:t>2022/8/17</a:t>
             </a:fld>
             <a:endParaRPr kumimoji="1" lang="ja-JP" altLang="en-US"/>
           </a:p>
@@ -1284,7 +1273,7 @@
             <a:fld id="{7FCC5AE5-E495-4913-B643-A95A6AFABB00}" type="datetimeFigureOut">
               <a:rPr kumimoji="1" lang="ja-JP" altLang="en-US" smtClean="0"/>
               <a:pPr/>
-              <a:t>2022/8/11</a:t>
+              <a:t>2022/8/17</a:t>
             </a:fld>
             <a:endParaRPr kumimoji="1" lang="ja-JP" altLang="en-US"/>
           </a:p>
@@ -1653,7 +1642,7 @@
             <a:fld id="{7FCC5AE5-E495-4913-B643-A95A6AFABB00}" type="datetimeFigureOut">
               <a:rPr kumimoji="1" lang="ja-JP" altLang="en-US" smtClean="0"/>
               <a:pPr/>
-              <a:t>2022/8/11</a:t>
+              <a:t>2022/8/17</a:t>
             </a:fld>
             <a:endParaRPr kumimoji="1" lang="ja-JP" altLang="en-US"/>
           </a:p>
@@ -1773,7 +1762,7 @@
             <a:fld id="{7FCC5AE5-E495-4913-B643-A95A6AFABB00}" type="datetimeFigureOut">
               <a:rPr kumimoji="1" lang="ja-JP" altLang="en-US" smtClean="0"/>
               <a:pPr/>
-              <a:t>2022/8/11</a:t>
+              <a:t>2022/8/17</a:t>
             </a:fld>
             <a:endParaRPr kumimoji="1" lang="ja-JP" altLang="en-US"/>
           </a:p>
@@ -1870,7 +1859,7 @@
             <a:fld id="{7FCC5AE5-E495-4913-B643-A95A6AFABB00}" type="datetimeFigureOut">
               <a:rPr kumimoji="1" lang="ja-JP" altLang="en-US" smtClean="0"/>
               <a:pPr/>
-              <a:t>2022/8/11</a:t>
+              <a:t>2022/8/17</a:t>
             </a:fld>
             <a:endParaRPr kumimoji="1" lang="ja-JP" altLang="en-US"/>
           </a:p>
@@ -2149,7 +2138,7 @@
             <a:fld id="{7FCC5AE5-E495-4913-B643-A95A6AFABB00}" type="datetimeFigureOut">
               <a:rPr kumimoji="1" lang="ja-JP" altLang="en-US" smtClean="0"/>
               <a:pPr/>
-              <a:t>2022/8/11</a:t>
+              <a:t>2022/8/17</a:t>
             </a:fld>
             <a:endParaRPr kumimoji="1" lang="ja-JP" altLang="en-US"/>
           </a:p>
@@ -2408,7 +2397,7 @@
             <a:fld id="{7FCC5AE5-E495-4913-B643-A95A6AFABB00}" type="datetimeFigureOut">
               <a:rPr kumimoji="1" lang="ja-JP" altLang="en-US" smtClean="0"/>
               <a:pPr/>
-              <a:t>2022/8/11</a:t>
+              <a:t>2022/8/17</a:t>
             </a:fld>
             <a:endParaRPr kumimoji="1" lang="ja-JP" altLang="en-US"/>
           </a:p>
@@ -2623,7 +2612,7 @@
             <a:fld id="{7FCC5AE5-E495-4913-B643-A95A6AFABB00}" type="datetimeFigureOut">
               <a:rPr kumimoji="1" lang="ja-JP" altLang="en-US" smtClean="0"/>
               <a:pPr/>
-              <a:t>2022/8/11</a:t>
+              <a:t>2022/8/17</a:t>
             </a:fld>
             <a:endParaRPr kumimoji="1" lang="ja-JP" altLang="en-US"/>
           </a:p>
@@ -3351,694 +3340,6 @@
 </p:sld>
 </file>
 
-<file path=ppt/slides/slide12.xml><?xml version="1.0" encoding="utf-8"?>
-<p:sld xmlns:a="http://schemas.openxmlformats.org/drawingml/2006/main" xmlns:r="http://schemas.openxmlformats.org/officeDocument/2006/relationships" xmlns:p="http://schemas.openxmlformats.org/presentationml/2006/main">
-  <p:cSld>
-    <p:spTree>
-      <p:nvGrpSpPr>
-        <p:cNvPr id="1" name=""/>
-        <p:cNvGrpSpPr/>
-        <p:nvPr/>
-      </p:nvGrpSpPr>
-      <p:grpSpPr>
-        <a:xfrm>
-          <a:off x="0" y="0"/>
-          <a:ext cx="0" cy="0"/>
-          <a:chOff x="0" y="0"/>
-          <a:chExt cx="0" cy="0"/>
-        </a:xfrm>
-      </p:grpSpPr>
-      <p:sp>
-        <p:nvSpPr>
-          <p:cNvPr id="2" name="Title 1"/>
-          <p:cNvSpPr>
-            <a:spLocks noGrp="1"/>
-          </p:cNvSpPr>
-          <p:nvPr>
-            <p:ph type="title"/>
-          </p:nvPr>
-        </p:nvSpPr>
-        <p:spPr/>
-        <p:txBody>
-          <a:bodyPr/>
-          <a:lstStyle/>
-          <a:p>
-            <a:r>
-              <a:rPr lang="en-US" dirty="0" err="1" smtClean="0"/>
-              <a:t>setInterval</a:t>
-            </a:r>
-            <a:endParaRPr lang="en-US" dirty="0"/>
-          </a:p>
-        </p:txBody>
-      </p:sp>
-      <p:pic>
-        <p:nvPicPr>
-          <p:cNvPr id="15362" name="Picture 2"/>
-          <p:cNvPicPr>
-            <a:picLocks noGrp="1" noChangeAspect="1" noChangeArrowheads="1"/>
-          </p:cNvPicPr>
-          <p:nvPr>
-            <p:ph idx="1"/>
-          </p:nvPr>
-        </p:nvPicPr>
-        <p:blipFill>
-          <a:blip r:embed="rId2"/>
-          <a:srcRect/>
-          <a:stretch>
-            <a:fillRect/>
-          </a:stretch>
-        </p:blipFill>
-        <p:spPr bwMode="auto">
-          <a:xfrm>
-            <a:off x="1227909" y="1502228"/>
-            <a:ext cx="9784080" cy="4807132"/>
-          </a:xfrm>
-          <a:prstGeom prst="rect">
-            <a:avLst/>
-          </a:prstGeom>
-          <a:noFill/>
-          <a:ln w="9525">
-            <a:noFill/>
-            <a:miter lim="800000"/>
-            <a:headEnd/>
-            <a:tailEnd/>
-          </a:ln>
-          <a:effectLst/>
-        </p:spPr>
-      </p:pic>
-    </p:spTree>
-  </p:cSld>
-  <p:clrMapOvr>
-    <a:masterClrMapping/>
-  </p:clrMapOvr>
-</p:sld>
-</file>
-
-<file path=ppt/slides/slide13.xml><?xml version="1.0" encoding="utf-8"?>
-<p:sld xmlns:a="http://schemas.openxmlformats.org/drawingml/2006/main" xmlns:r="http://schemas.openxmlformats.org/officeDocument/2006/relationships" xmlns:p="http://schemas.openxmlformats.org/presentationml/2006/main">
-  <p:cSld>
-    <p:spTree>
-      <p:nvGrpSpPr>
-        <p:cNvPr id="1" name=""/>
-        <p:cNvGrpSpPr/>
-        <p:nvPr/>
-      </p:nvGrpSpPr>
-      <p:grpSpPr>
-        <a:xfrm>
-          <a:off x="0" y="0"/>
-          <a:ext cx="0" cy="0"/>
-          <a:chOff x="0" y="0"/>
-          <a:chExt cx="0" cy="0"/>
-        </a:xfrm>
-      </p:grpSpPr>
-      <p:sp>
-        <p:nvSpPr>
-          <p:cNvPr id="2" name="Title 1"/>
-          <p:cNvSpPr>
-            <a:spLocks noGrp="1"/>
-          </p:cNvSpPr>
-          <p:nvPr>
-            <p:ph type="title"/>
-          </p:nvPr>
-        </p:nvSpPr>
-        <p:spPr/>
-        <p:txBody>
-          <a:bodyPr/>
-          <a:lstStyle/>
-          <a:p>
-            <a:r>
-              <a:rPr lang="en-US" dirty="0" smtClean="0"/>
-              <a:t>2. </a:t>
-            </a:r>
-            <a:r>
-              <a:rPr lang="en-US" dirty="0" err="1" smtClean="0"/>
-              <a:t>Window.history</a:t>
-            </a:r>
-            <a:endParaRPr lang="en-US" dirty="0"/>
-          </a:p>
-        </p:txBody>
-      </p:sp>
-      <p:pic>
-        <p:nvPicPr>
-          <p:cNvPr id="1026" name="Picture 2"/>
-          <p:cNvPicPr>
-            <a:picLocks noGrp="1" noChangeAspect="1" noChangeArrowheads="1"/>
-          </p:cNvPicPr>
-          <p:nvPr>
-            <p:ph idx="1"/>
-          </p:nvPr>
-        </p:nvPicPr>
-        <p:blipFill>
-          <a:blip r:embed="rId2"/>
-          <a:srcRect/>
-          <a:stretch>
-            <a:fillRect/>
-          </a:stretch>
-        </p:blipFill>
-        <p:spPr bwMode="auto">
-          <a:xfrm>
-            <a:off x="783772" y="1773374"/>
-            <a:ext cx="10476411" cy="4351338"/>
-          </a:xfrm>
-          <a:prstGeom prst="rect">
-            <a:avLst/>
-          </a:prstGeom>
-          <a:noFill/>
-          <a:ln w="9525">
-            <a:noFill/>
-            <a:miter lim="800000"/>
-            <a:headEnd/>
-            <a:tailEnd/>
-          </a:ln>
-          <a:effectLst/>
-        </p:spPr>
-      </p:pic>
-    </p:spTree>
-  </p:cSld>
-  <p:clrMapOvr>
-    <a:masterClrMapping/>
-  </p:clrMapOvr>
-</p:sld>
-</file>
-
-<file path=ppt/slides/slide14.xml><?xml version="1.0" encoding="utf-8"?>
-<p:sld xmlns:a="http://schemas.openxmlformats.org/drawingml/2006/main" xmlns:r="http://schemas.openxmlformats.org/officeDocument/2006/relationships" xmlns:p="http://schemas.openxmlformats.org/presentationml/2006/main">
-  <p:cSld>
-    <p:spTree>
-      <p:nvGrpSpPr>
-        <p:cNvPr id="1" name=""/>
-        <p:cNvGrpSpPr/>
-        <p:nvPr/>
-      </p:nvGrpSpPr>
-      <p:grpSpPr>
-        <a:xfrm>
-          <a:off x="0" y="0"/>
-          <a:ext cx="0" cy="0"/>
-          <a:chOff x="0" y="0"/>
-          <a:chExt cx="0" cy="0"/>
-        </a:xfrm>
-      </p:grpSpPr>
-      <p:sp>
-        <p:nvSpPr>
-          <p:cNvPr id="2" name="Title 1"/>
-          <p:cNvSpPr>
-            <a:spLocks noGrp="1"/>
-          </p:cNvSpPr>
-          <p:nvPr>
-            <p:ph type="title"/>
-          </p:nvPr>
-        </p:nvSpPr>
-        <p:spPr/>
-        <p:txBody>
-          <a:bodyPr/>
-          <a:lstStyle/>
-          <a:p>
-            <a:r>
-              <a:rPr lang="en-US" dirty="0" smtClean="0"/>
-              <a:t>Move Backward</a:t>
-            </a:r>
-            <a:endParaRPr lang="en-US" dirty="0"/>
-          </a:p>
-        </p:txBody>
-      </p:sp>
-      <p:pic>
-        <p:nvPicPr>
-          <p:cNvPr id="2050" name="Picture 2"/>
-          <p:cNvPicPr>
-            <a:picLocks noGrp="1" noChangeAspect="1" noChangeArrowheads="1"/>
-          </p:cNvPicPr>
-          <p:nvPr>
-            <p:ph idx="1"/>
-          </p:nvPr>
-        </p:nvPicPr>
-        <p:blipFill>
-          <a:blip r:embed="rId2"/>
-          <a:srcRect/>
-          <a:stretch>
-            <a:fillRect/>
-          </a:stretch>
-        </p:blipFill>
-        <p:spPr bwMode="auto">
-          <a:xfrm>
-            <a:off x="1201782" y="1915455"/>
-            <a:ext cx="9679577" cy="2996180"/>
-          </a:xfrm>
-          <a:prstGeom prst="rect">
-            <a:avLst/>
-          </a:prstGeom>
-          <a:noFill/>
-          <a:ln w="9525">
-            <a:noFill/>
-            <a:miter lim="800000"/>
-            <a:headEnd/>
-            <a:tailEnd/>
-          </a:ln>
-          <a:effectLst/>
-        </p:spPr>
-      </p:pic>
-    </p:spTree>
-  </p:cSld>
-  <p:clrMapOvr>
-    <a:masterClrMapping/>
-  </p:clrMapOvr>
-</p:sld>
-</file>
-
-<file path=ppt/slides/slide15.xml><?xml version="1.0" encoding="utf-8"?>
-<p:sld xmlns:a="http://schemas.openxmlformats.org/drawingml/2006/main" xmlns:r="http://schemas.openxmlformats.org/officeDocument/2006/relationships" xmlns:p="http://schemas.openxmlformats.org/presentationml/2006/main">
-  <p:cSld>
-    <p:spTree>
-      <p:nvGrpSpPr>
-        <p:cNvPr id="1" name=""/>
-        <p:cNvGrpSpPr/>
-        <p:nvPr/>
-      </p:nvGrpSpPr>
-      <p:grpSpPr>
-        <a:xfrm>
-          <a:off x="0" y="0"/>
-          <a:ext cx="0" cy="0"/>
-          <a:chOff x="0" y="0"/>
-          <a:chExt cx="0" cy="0"/>
-        </a:xfrm>
-      </p:grpSpPr>
-      <p:sp>
-        <p:nvSpPr>
-          <p:cNvPr id="2" name="Title 1"/>
-          <p:cNvSpPr>
-            <a:spLocks noGrp="1"/>
-          </p:cNvSpPr>
-          <p:nvPr>
-            <p:ph type="title"/>
-          </p:nvPr>
-        </p:nvSpPr>
-        <p:spPr/>
-        <p:txBody>
-          <a:bodyPr/>
-          <a:lstStyle/>
-          <a:p>
-            <a:r>
-              <a:rPr lang="en-US" dirty="0" smtClean="0"/>
-              <a:t>Move Forward</a:t>
-            </a:r>
-            <a:endParaRPr lang="en-US" dirty="0"/>
-          </a:p>
-        </p:txBody>
-      </p:sp>
-      <p:sp>
-        <p:nvSpPr>
-          <p:cNvPr id="4" name="Content Placeholder 3"/>
-          <p:cNvSpPr>
-            <a:spLocks noGrp="1"/>
-          </p:cNvSpPr>
-          <p:nvPr>
-            <p:ph idx="1"/>
-          </p:nvPr>
-        </p:nvSpPr>
-        <p:spPr/>
-        <p:txBody>
-          <a:bodyPr/>
-          <a:lstStyle/>
-          <a:p>
-            <a:endParaRPr lang="en-US"/>
-          </a:p>
-        </p:txBody>
-      </p:sp>
-      <p:pic>
-        <p:nvPicPr>
-          <p:cNvPr id="3074" name="Picture 2"/>
-          <p:cNvPicPr>
-            <a:picLocks noChangeAspect="1" noChangeArrowheads="1"/>
-          </p:cNvPicPr>
-          <p:nvPr/>
-        </p:nvPicPr>
-        <p:blipFill>
-          <a:blip r:embed="rId2"/>
-          <a:srcRect/>
-          <a:stretch>
-            <a:fillRect/>
-          </a:stretch>
-        </p:blipFill>
-        <p:spPr bwMode="auto">
-          <a:xfrm>
-            <a:off x="1926226" y="2424113"/>
-            <a:ext cx="8223613" cy="2840218"/>
-          </a:xfrm>
-          <a:prstGeom prst="rect">
-            <a:avLst/>
-          </a:prstGeom>
-          <a:noFill/>
-          <a:ln w="9525">
-            <a:noFill/>
-            <a:miter lim="800000"/>
-            <a:headEnd/>
-            <a:tailEnd/>
-          </a:ln>
-          <a:effectLst/>
-        </p:spPr>
-      </p:pic>
-    </p:spTree>
-  </p:cSld>
-  <p:clrMapOvr>
-    <a:masterClrMapping/>
-  </p:clrMapOvr>
-</p:sld>
-</file>
-
-<file path=ppt/slides/slide16.xml><?xml version="1.0" encoding="utf-8"?>
-<p:sld xmlns:a="http://schemas.openxmlformats.org/drawingml/2006/main" xmlns:r="http://schemas.openxmlformats.org/officeDocument/2006/relationships" xmlns:p="http://schemas.openxmlformats.org/presentationml/2006/main">
-  <p:cSld>
-    <p:spTree>
-      <p:nvGrpSpPr>
-        <p:cNvPr id="1" name=""/>
-        <p:cNvGrpSpPr/>
-        <p:nvPr/>
-      </p:nvGrpSpPr>
-      <p:grpSpPr>
-        <a:xfrm>
-          <a:off x="0" y="0"/>
-          <a:ext cx="0" cy="0"/>
-          <a:chOff x="0" y="0"/>
-          <a:chExt cx="0" cy="0"/>
-        </a:xfrm>
-      </p:grpSpPr>
-      <p:sp>
-        <p:nvSpPr>
-          <p:cNvPr id="2" name="Title 1"/>
-          <p:cNvSpPr>
-            <a:spLocks noGrp="1"/>
-          </p:cNvSpPr>
-          <p:nvPr>
-            <p:ph type="title"/>
-          </p:nvPr>
-        </p:nvSpPr>
-        <p:spPr/>
-        <p:txBody>
-          <a:bodyPr/>
-          <a:lstStyle/>
-          <a:p>
-            <a:r>
-              <a:rPr lang="en-US" dirty="0" smtClean="0"/>
-              <a:t>URL History</a:t>
-            </a:r>
-            <a:endParaRPr lang="en-US" dirty="0"/>
-          </a:p>
-        </p:txBody>
-      </p:sp>
-      <p:pic>
-        <p:nvPicPr>
-          <p:cNvPr id="4098" name="Picture 2"/>
-          <p:cNvPicPr>
-            <a:picLocks noGrp="1" noChangeAspect="1" noChangeArrowheads="1"/>
-          </p:cNvPicPr>
-          <p:nvPr>
-            <p:ph idx="1"/>
-          </p:nvPr>
-        </p:nvPicPr>
-        <p:blipFill>
-          <a:blip r:embed="rId2"/>
-          <a:srcRect/>
-          <a:stretch>
-            <a:fillRect/>
-          </a:stretch>
-        </p:blipFill>
-        <p:spPr bwMode="auto">
-          <a:xfrm>
-            <a:off x="888274" y="1747247"/>
-            <a:ext cx="10110652" cy="4351338"/>
-          </a:xfrm>
-          <a:prstGeom prst="rect">
-            <a:avLst/>
-          </a:prstGeom>
-          <a:noFill/>
-          <a:ln w="9525">
-            <a:noFill/>
-            <a:miter lim="800000"/>
-            <a:headEnd/>
-            <a:tailEnd/>
-          </a:ln>
-          <a:effectLst/>
-        </p:spPr>
-      </p:pic>
-    </p:spTree>
-  </p:cSld>
-  <p:clrMapOvr>
-    <a:masterClrMapping/>
-  </p:clrMapOvr>
-</p:sld>
-</file>
-
-<file path=ppt/slides/slide17.xml><?xml version="1.0" encoding="utf-8"?>
-<p:sld xmlns:a="http://schemas.openxmlformats.org/drawingml/2006/main" xmlns:r="http://schemas.openxmlformats.org/officeDocument/2006/relationships" xmlns:p="http://schemas.openxmlformats.org/presentationml/2006/main">
-  <p:cSld>
-    <p:spTree>
-      <p:nvGrpSpPr>
-        <p:cNvPr id="1" name=""/>
-        <p:cNvGrpSpPr/>
-        <p:nvPr/>
-      </p:nvGrpSpPr>
-      <p:grpSpPr>
-        <a:xfrm>
-          <a:off x="0" y="0"/>
-          <a:ext cx="0" cy="0"/>
-          <a:chOff x="0" y="0"/>
-          <a:chExt cx="0" cy="0"/>
-        </a:xfrm>
-      </p:grpSpPr>
-      <p:sp>
-        <p:nvSpPr>
-          <p:cNvPr id="2" name="Title 1"/>
-          <p:cNvSpPr>
-            <a:spLocks noGrp="1"/>
-          </p:cNvSpPr>
-          <p:nvPr>
-            <p:ph type="title"/>
-          </p:nvPr>
-        </p:nvSpPr>
-        <p:spPr/>
-        <p:txBody>
-          <a:bodyPr/>
-          <a:lstStyle/>
-          <a:p>
-            <a:r>
-              <a:rPr lang="en-US" dirty="0" smtClean="0"/>
-              <a:t>3. </a:t>
-            </a:r>
-            <a:r>
-              <a:rPr lang="en-US" dirty="0" err="1" smtClean="0"/>
-              <a:t>Window.navigator</a:t>
-            </a:r>
-            <a:endParaRPr lang="en-US" dirty="0"/>
-          </a:p>
-        </p:txBody>
-      </p:sp>
-      <p:pic>
-        <p:nvPicPr>
-          <p:cNvPr id="5122" name="Picture 2"/>
-          <p:cNvPicPr>
-            <a:picLocks noGrp="1" noChangeAspect="1" noChangeArrowheads="1"/>
-          </p:cNvPicPr>
-          <p:nvPr>
-            <p:ph idx="1"/>
-          </p:nvPr>
-        </p:nvPicPr>
-        <p:blipFill>
-          <a:blip r:embed="rId2"/>
-          <a:srcRect/>
-          <a:stretch>
-            <a:fillRect/>
-          </a:stretch>
-        </p:blipFill>
-        <p:spPr bwMode="auto">
-          <a:xfrm>
-            <a:off x="457201" y="1564368"/>
-            <a:ext cx="11299371" cy="4351338"/>
-          </a:xfrm>
-          <a:prstGeom prst="rect">
-            <a:avLst/>
-          </a:prstGeom>
-          <a:noFill/>
-          <a:ln w="9525">
-            <a:noFill/>
-            <a:miter lim="800000"/>
-            <a:headEnd/>
-            <a:tailEnd/>
-          </a:ln>
-          <a:effectLst/>
-        </p:spPr>
-      </p:pic>
-    </p:spTree>
-  </p:cSld>
-  <p:clrMapOvr>
-    <a:masterClrMapping/>
-  </p:clrMapOvr>
-</p:sld>
-</file>
-
-<file path=ppt/slides/slide18.xml><?xml version="1.0" encoding="utf-8"?>
-<p:sld xmlns:a="http://schemas.openxmlformats.org/drawingml/2006/main" xmlns:r="http://schemas.openxmlformats.org/officeDocument/2006/relationships" xmlns:p="http://schemas.openxmlformats.org/presentationml/2006/main">
-  <p:cSld>
-    <p:spTree>
-      <p:nvGrpSpPr>
-        <p:cNvPr id="1" name=""/>
-        <p:cNvGrpSpPr/>
-        <p:nvPr/>
-      </p:nvGrpSpPr>
-      <p:grpSpPr>
-        <a:xfrm>
-          <a:off x="0" y="0"/>
-          <a:ext cx="0" cy="0"/>
-          <a:chOff x="0" y="0"/>
-          <a:chExt cx="0" cy="0"/>
-        </a:xfrm>
-      </p:grpSpPr>
-      <p:sp>
-        <p:nvSpPr>
-          <p:cNvPr id="2" name="Title 1"/>
-          <p:cNvSpPr>
-            <a:spLocks noGrp="1"/>
-          </p:cNvSpPr>
-          <p:nvPr>
-            <p:ph type="title"/>
-          </p:nvPr>
-        </p:nvSpPr>
-        <p:spPr/>
-        <p:txBody>
-          <a:bodyPr/>
-          <a:lstStyle/>
-          <a:p>
-            <a:endParaRPr lang="en-US"/>
-          </a:p>
-        </p:txBody>
-      </p:sp>
-      <p:pic>
-        <p:nvPicPr>
-          <p:cNvPr id="6146" name="Picture 2"/>
-          <p:cNvPicPr>
-            <a:picLocks noGrp="1" noChangeAspect="1" noChangeArrowheads="1"/>
-          </p:cNvPicPr>
-          <p:nvPr>
-            <p:ph idx="1"/>
-          </p:nvPr>
-        </p:nvPicPr>
-        <p:blipFill>
-          <a:blip r:embed="rId2"/>
-          <a:srcRect/>
-          <a:stretch>
-            <a:fillRect/>
-          </a:stretch>
-        </p:blipFill>
-        <p:spPr bwMode="auto">
-          <a:xfrm>
-            <a:off x="548640" y="352698"/>
-            <a:ext cx="10998926" cy="5891348"/>
-          </a:xfrm>
-          <a:prstGeom prst="rect">
-            <a:avLst/>
-          </a:prstGeom>
-          <a:noFill/>
-          <a:ln w="9525">
-            <a:noFill/>
-            <a:miter lim="800000"/>
-            <a:headEnd/>
-            <a:tailEnd/>
-          </a:ln>
-          <a:effectLst/>
-        </p:spPr>
-      </p:pic>
-    </p:spTree>
-  </p:cSld>
-  <p:clrMapOvr>
-    <a:masterClrMapping/>
-  </p:clrMapOvr>
-</p:sld>
-</file>
-
-<file path=ppt/slides/slide19.xml><?xml version="1.0" encoding="utf-8"?>
-<p:sld xmlns:a="http://schemas.openxmlformats.org/drawingml/2006/main" xmlns:r="http://schemas.openxmlformats.org/officeDocument/2006/relationships" xmlns:p="http://schemas.openxmlformats.org/presentationml/2006/main">
-  <p:cSld>
-    <p:spTree>
-      <p:nvGrpSpPr>
-        <p:cNvPr id="1" name=""/>
-        <p:cNvGrpSpPr/>
-        <p:nvPr/>
-      </p:nvGrpSpPr>
-      <p:grpSpPr>
-        <a:xfrm>
-          <a:off x="0" y="0"/>
-          <a:ext cx="0" cy="0"/>
-          <a:chOff x="0" y="0"/>
-          <a:chExt cx="0" cy="0"/>
-        </a:xfrm>
-      </p:grpSpPr>
-      <p:sp>
-        <p:nvSpPr>
-          <p:cNvPr id="2" name="Title 1"/>
-          <p:cNvSpPr>
-            <a:spLocks noGrp="1"/>
-          </p:cNvSpPr>
-          <p:nvPr>
-            <p:ph type="title"/>
-          </p:nvPr>
-        </p:nvSpPr>
-        <p:spPr/>
-        <p:txBody>
-          <a:bodyPr/>
-          <a:lstStyle/>
-          <a:p>
-            <a:r>
-              <a:rPr lang="en-US" dirty="0" smtClean="0"/>
-              <a:t>JavaScript Navigator Properties &amp; Methods</a:t>
-            </a:r>
-            <a:br>
-              <a:rPr lang="en-US" dirty="0" smtClean="0"/>
-            </a:br>
-            <a:endParaRPr lang="en-US" dirty="0"/>
-          </a:p>
-        </p:txBody>
-      </p:sp>
-      <p:pic>
-        <p:nvPicPr>
-          <p:cNvPr id="7170" name="Picture 2"/>
-          <p:cNvPicPr>
-            <a:picLocks noGrp="1" noChangeAspect="1" noChangeArrowheads="1"/>
-          </p:cNvPicPr>
-          <p:nvPr>
-            <p:ph idx="1"/>
-          </p:nvPr>
-        </p:nvPicPr>
-        <p:blipFill>
-          <a:blip r:embed="rId2"/>
-          <a:srcRect/>
-          <a:stretch>
-            <a:fillRect/>
-          </a:stretch>
-        </p:blipFill>
-        <p:spPr bwMode="auto">
-          <a:xfrm>
-            <a:off x="953588" y="1502228"/>
-            <a:ext cx="10972801" cy="4872445"/>
-          </a:xfrm>
-          <a:prstGeom prst="rect">
-            <a:avLst/>
-          </a:prstGeom>
-          <a:noFill/>
-          <a:ln w="9525">
-            <a:noFill/>
-            <a:miter lim="800000"/>
-            <a:headEnd/>
-            <a:tailEnd/>
-          </a:ln>
-          <a:effectLst/>
-        </p:spPr>
-      </p:pic>
-    </p:spTree>
-  </p:cSld>
-  <p:clrMapOvr>
-    <a:masterClrMapping/>
-  </p:clrMapOvr>
-</p:sld>
-</file>
-
 <file path=ppt/slides/slide2.xml><?xml version="1.0" encoding="utf-8"?>
 <p:sld xmlns:a="http://schemas.openxmlformats.org/drawingml/2006/main" xmlns:r="http://schemas.openxmlformats.org/officeDocument/2006/relationships" xmlns:p="http://schemas.openxmlformats.org/presentationml/2006/main">
   <p:cSld>
@@ -4155,255 +3456,6 @@
 </p:sld>
 </file>
 
-<file path=ppt/slides/slide20.xml><?xml version="1.0" encoding="utf-8"?>
-<p:sld xmlns:a="http://schemas.openxmlformats.org/drawingml/2006/main" xmlns:r="http://schemas.openxmlformats.org/officeDocument/2006/relationships" xmlns:p="http://schemas.openxmlformats.org/presentationml/2006/main">
-  <p:cSld>
-    <p:spTree>
-      <p:nvGrpSpPr>
-        <p:cNvPr id="1" name=""/>
-        <p:cNvGrpSpPr/>
-        <p:nvPr/>
-      </p:nvGrpSpPr>
-      <p:grpSpPr>
-        <a:xfrm>
-          <a:off x="0" y="0"/>
-          <a:ext cx="0" cy="0"/>
-          <a:chOff x="0" y="0"/>
-          <a:chExt cx="0" cy="0"/>
-        </a:xfrm>
-      </p:grpSpPr>
-      <p:sp>
-        <p:nvSpPr>
-          <p:cNvPr id="2" name="Title 1"/>
-          <p:cNvSpPr>
-            <a:spLocks noGrp="1"/>
-          </p:cNvSpPr>
-          <p:nvPr>
-            <p:ph type="title"/>
-          </p:nvPr>
-        </p:nvSpPr>
-        <p:spPr/>
-        <p:txBody>
-          <a:bodyPr/>
-          <a:lstStyle/>
-          <a:p>
-            <a:r>
-              <a:rPr lang="en-US" dirty="0" smtClean="0"/>
-              <a:t>JavaScript Navigator Properties &amp; Methods</a:t>
-            </a:r>
-            <a:endParaRPr lang="en-US" dirty="0"/>
-          </a:p>
-        </p:txBody>
-      </p:sp>
-      <p:pic>
-        <p:nvPicPr>
-          <p:cNvPr id="8194" name="Picture 2"/>
-          <p:cNvPicPr>
-            <a:picLocks noGrp="1" noChangeAspect="1" noChangeArrowheads="1"/>
-          </p:cNvPicPr>
-          <p:nvPr>
-            <p:ph idx="1"/>
-          </p:nvPr>
-        </p:nvPicPr>
-        <p:blipFill>
-          <a:blip r:embed="rId2"/>
-          <a:srcRect/>
-          <a:stretch>
-            <a:fillRect/>
-          </a:stretch>
-        </p:blipFill>
-        <p:spPr bwMode="auto">
-          <a:xfrm>
-            <a:off x="679269" y="1825625"/>
-            <a:ext cx="10672354" cy="4351338"/>
-          </a:xfrm>
-          <a:prstGeom prst="rect">
-            <a:avLst/>
-          </a:prstGeom>
-          <a:noFill/>
-          <a:ln w="9525">
-            <a:noFill/>
-            <a:miter lim="800000"/>
-            <a:headEnd/>
-            <a:tailEnd/>
-          </a:ln>
-          <a:effectLst/>
-        </p:spPr>
-      </p:pic>
-    </p:spTree>
-  </p:cSld>
-  <p:clrMapOvr>
-    <a:masterClrMapping/>
-  </p:clrMapOvr>
-</p:sld>
-</file>
-
-<file path=ppt/slides/slide21.xml><?xml version="1.0" encoding="utf-8"?>
-<p:sld xmlns:a="http://schemas.openxmlformats.org/drawingml/2006/main" xmlns:r="http://schemas.openxmlformats.org/officeDocument/2006/relationships" xmlns:p="http://schemas.openxmlformats.org/presentationml/2006/main">
-  <p:cSld>
-    <p:spTree>
-      <p:nvGrpSpPr>
-        <p:cNvPr id="1" name=""/>
-        <p:cNvGrpSpPr/>
-        <p:nvPr/>
-      </p:nvGrpSpPr>
-      <p:grpSpPr>
-        <a:xfrm>
-          <a:off x="0" y="0"/>
-          <a:ext cx="0" cy="0"/>
-          <a:chOff x="0" y="0"/>
-          <a:chExt cx="0" cy="0"/>
-        </a:xfrm>
-      </p:grpSpPr>
-      <p:sp>
-        <p:nvSpPr>
-          <p:cNvPr id="2" name="Title 1"/>
-          <p:cNvSpPr>
-            <a:spLocks noGrp="1"/>
-          </p:cNvSpPr>
-          <p:nvPr>
-            <p:ph type="title"/>
-          </p:nvPr>
-        </p:nvSpPr>
-        <p:spPr/>
-        <p:txBody>
-          <a:bodyPr/>
-          <a:lstStyle/>
-          <a:p>
-            <a:r>
-              <a:rPr lang="en-US" dirty="0" smtClean="0"/>
-              <a:t>JavaScript Navigator Properties &amp; Methods</a:t>
-            </a:r>
-            <a:endParaRPr lang="en-US" dirty="0"/>
-          </a:p>
-        </p:txBody>
-      </p:sp>
-      <p:pic>
-        <p:nvPicPr>
-          <p:cNvPr id="9218" name="Picture 2"/>
-          <p:cNvPicPr>
-            <a:picLocks noGrp="1" noChangeAspect="1" noChangeArrowheads="1"/>
-          </p:cNvPicPr>
-          <p:nvPr>
-            <p:ph idx="1"/>
-          </p:nvPr>
-        </p:nvPicPr>
-        <p:blipFill>
-          <a:blip r:embed="rId2"/>
-          <a:srcRect/>
-          <a:stretch>
-            <a:fillRect/>
-          </a:stretch>
-        </p:blipFill>
-        <p:spPr bwMode="auto">
-          <a:xfrm>
-            <a:off x="770709" y="1825625"/>
-            <a:ext cx="10842171" cy="4351338"/>
-          </a:xfrm>
-          <a:prstGeom prst="rect">
-            <a:avLst/>
-          </a:prstGeom>
-          <a:noFill/>
-          <a:ln w="9525">
-            <a:noFill/>
-            <a:miter lim="800000"/>
-            <a:headEnd/>
-            <a:tailEnd/>
-          </a:ln>
-          <a:effectLst/>
-        </p:spPr>
-      </p:pic>
-    </p:spTree>
-  </p:cSld>
-  <p:clrMapOvr>
-    <a:masterClrMapping/>
-  </p:clrMapOvr>
-</p:sld>
-</file>
-
-<file path=ppt/slides/slide22.xml><?xml version="1.0" encoding="utf-8"?>
-<p:sld xmlns:a="http://schemas.openxmlformats.org/drawingml/2006/main" xmlns:r="http://schemas.openxmlformats.org/officeDocument/2006/relationships" xmlns:p="http://schemas.openxmlformats.org/presentationml/2006/main">
-  <p:cSld>
-    <p:spTree>
-      <p:nvGrpSpPr>
-        <p:cNvPr id="1" name=""/>
-        <p:cNvGrpSpPr/>
-        <p:nvPr/>
-      </p:nvGrpSpPr>
-      <p:grpSpPr>
-        <a:xfrm>
-          <a:off x="0" y="0"/>
-          <a:ext cx="0" cy="0"/>
-          <a:chOff x="0" y="0"/>
-          <a:chExt cx="0" cy="0"/>
-        </a:xfrm>
-      </p:grpSpPr>
-      <p:sp>
-        <p:nvSpPr>
-          <p:cNvPr id="2" name="Title 1"/>
-          <p:cNvSpPr>
-            <a:spLocks noGrp="1"/>
-          </p:cNvSpPr>
-          <p:nvPr>
-            <p:ph type="title"/>
-          </p:nvPr>
-        </p:nvSpPr>
-        <p:spPr/>
-        <p:txBody>
-          <a:bodyPr/>
-          <a:lstStyle/>
-          <a:p>
-            <a:r>
-              <a:rPr lang="en-US" dirty="0" smtClean="0"/>
-              <a:t>JavaScript Navigator Properties &amp; Methods</a:t>
-            </a:r>
-            <a:endParaRPr lang="en-US" dirty="0"/>
-          </a:p>
-        </p:txBody>
-      </p:sp>
-      <p:pic>
-        <p:nvPicPr>
-          <p:cNvPr id="10242" name="Picture 2"/>
-          <p:cNvPicPr>
-            <a:picLocks noGrp="1" noChangeAspect="1" noChangeArrowheads="1"/>
-          </p:cNvPicPr>
-          <p:nvPr>
-            <p:ph idx="1"/>
-          </p:nvPr>
-        </p:nvPicPr>
-        <p:blipFill>
-          <a:blip r:embed="rId2"/>
-          <a:srcRect/>
-          <a:stretch>
-            <a:fillRect/>
-          </a:stretch>
-        </p:blipFill>
-        <p:spPr bwMode="auto">
-          <a:xfrm>
-            <a:off x="1449977" y="1672046"/>
-            <a:ext cx="9927772" cy="4820194"/>
-          </a:xfrm>
-          <a:prstGeom prst="rect">
-            <a:avLst/>
-          </a:prstGeom>
-          <a:noFill/>
-          <a:ln w="9525">
-            <a:noFill/>
-            <a:miter lim="800000"/>
-            <a:headEnd/>
-            <a:tailEnd/>
-          </a:ln>
-          <a:effectLst/>
-        </p:spPr>
-      </p:pic>
-    </p:spTree>
-  </p:cSld>
-  <p:clrMapOvr>
-    <a:masterClrMapping/>
-  </p:clrMapOvr>
-</p:sld>
-</file>
-
 <file path=ppt/slides/slide3.xml><?xml version="1.0" encoding="utf-8"?>
 <p:sld xmlns:a="http://schemas.openxmlformats.org/drawingml/2006/main" xmlns:r="http://schemas.openxmlformats.org/officeDocument/2006/relationships" xmlns:p="http://schemas.openxmlformats.org/presentationml/2006/main">
   <p:cSld>
@@ -4697,15 +3749,32 @@
           </a:p>
         </p:txBody>
       </p:sp>
+      <p:sp>
+        <p:nvSpPr>
+          <p:cNvPr id="4" name="Content Placeholder 3"/>
+          <p:cNvSpPr>
+            <a:spLocks noGrp="1"/>
+          </p:cNvSpPr>
+          <p:nvPr>
+            <p:ph idx="1"/>
+          </p:nvPr>
+        </p:nvSpPr>
+        <p:spPr/>
+        <p:txBody>
+          <a:bodyPr/>
+          <a:lstStyle/>
+          <a:p>
+            <a:endParaRPr lang="en-US" dirty="0"/>
+          </a:p>
+        </p:txBody>
+      </p:sp>
       <p:pic>
         <p:nvPicPr>
-          <p:cNvPr id="16386" name="Picture 2"/>
+          <p:cNvPr id="1026" name="Picture 2"/>
           <p:cNvPicPr>
-            <a:picLocks noGrp="1" noChangeAspect="1" noChangeArrowheads="1"/>
+            <a:picLocks noChangeAspect="1" noChangeArrowheads="1"/>
           </p:cNvPicPr>
-          <p:nvPr>
-            <p:ph idx="1"/>
-          </p:nvPr>
+          <p:nvPr/>
         </p:nvPicPr>
         <p:blipFill>
           <a:blip r:embed="rId2"/>
@@ -4716,8 +3785,8 @@
         </p:blipFill>
         <p:spPr bwMode="auto">
           <a:xfrm>
-            <a:off x="1201783" y="1724296"/>
-            <a:ext cx="9757954" cy="4702629"/>
+            <a:off x="2002699" y="2045970"/>
+            <a:ext cx="7219950" cy="4229100"/>
           </a:xfrm>
           <a:prstGeom prst="rect">
             <a:avLst/>
